--- a/fart.pptx
+++ b/fart.pptx
@@ -288,7 +288,8 @@
           <a:p>
             <a:fld id="{059D2A8B-5059-417D-8232-33561F25459F}" type="datetimeFigureOut">
               <a:rPr lang="en-GB" smtClean="0"/>
-              <a:t>25/10/2014</a:t>
+              <a:pPr/>
+              <a:t>26/10/2014</a:t>
             </a:fld>
             <a:endParaRPr lang="en-GB"/>
           </a:p>
@@ -330,6 +331,7 @@
           <a:p>
             <a:fld id="{56D847F9-374E-474F-A853-60D94F0EA47D}" type="slidenum">
               <a:rPr lang="en-GB" smtClean="0"/>
+              <a:pPr/>
               <a:t>‹#›</a:t>
             </a:fld>
             <a:endParaRPr lang="en-GB"/>
@@ -453,7 +455,8 @@
           <a:p>
             <a:fld id="{059D2A8B-5059-417D-8232-33561F25459F}" type="datetimeFigureOut">
               <a:rPr lang="en-GB" smtClean="0"/>
-              <a:t>25/10/2014</a:t>
+              <a:pPr/>
+              <a:t>26/10/2014</a:t>
             </a:fld>
             <a:endParaRPr lang="en-GB"/>
           </a:p>
@@ -495,6 +498,7 @@
           <a:p>
             <a:fld id="{56D847F9-374E-474F-A853-60D94F0EA47D}" type="slidenum">
               <a:rPr lang="en-GB" smtClean="0"/>
+              <a:pPr/>
               <a:t>‹#›</a:t>
             </a:fld>
             <a:endParaRPr lang="en-GB"/>
@@ -628,7 +632,8 @@
           <a:p>
             <a:fld id="{059D2A8B-5059-417D-8232-33561F25459F}" type="datetimeFigureOut">
               <a:rPr lang="en-GB" smtClean="0"/>
-              <a:t>25/10/2014</a:t>
+              <a:pPr/>
+              <a:t>26/10/2014</a:t>
             </a:fld>
             <a:endParaRPr lang="en-GB"/>
           </a:p>
@@ -670,6 +675,7 @@
           <a:p>
             <a:fld id="{56D847F9-374E-474F-A853-60D94F0EA47D}" type="slidenum">
               <a:rPr lang="en-GB" smtClean="0"/>
+              <a:pPr/>
               <a:t>‹#›</a:t>
             </a:fld>
             <a:endParaRPr lang="en-GB"/>
@@ -793,7 +799,8 @@
           <a:p>
             <a:fld id="{059D2A8B-5059-417D-8232-33561F25459F}" type="datetimeFigureOut">
               <a:rPr lang="en-GB" smtClean="0"/>
-              <a:t>25/10/2014</a:t>
+              <a:pPr/>
+              <a:t>26/10/2014</a:t>
             </a:fld>
             <a:endParaRPr lang="en-GB"/>
           </a:p>
@@ -835,6 +842,7 @@
           <a:p>
             <a:fld id="{56D847F9-374E-474F-A853-60D94F0EA47D}" type="slidenum">
               <a:rPr lang="en-GB" smtClean="0"/>
+              <a:pPr/>
               <a:t>‹#›</a:t>
             </a:fld>
             <a:endParaRPr lang="en-GB"/>
@@ -1034,7 +1042,8 @@
           <a:p>
             <a:fld id="{059D2A8B-5059-417D-8232-33561F25459F}" type="datetimeFigureOut">
               <a:rPr lang="en-GB" smtClean="0"/>
-              <a:t>25/10/2014</a:t>
+              <a:pPr/>
+              <a:t>26/10/2014</a:t>
             </a:fld>
             <a:endParaRPr lang="en-GB"/>
           </a:p>
@@ -1076,6 +1085,7 @@
           <a:p>
             <a:fld id="{56D847F9-374E-474F-A853-60D94F0EA47D}" type="slidenum">
               <a:rPr lang="en-GB" smtClean="0"/>
+              <a:pPr/>
               <a:t>‹#›</a:t>
             </a:fld>
             <a:endParaRPr lang="en-GB"/>
@@ -1317,7 +1327,8 @@
           <a:p>
             <a:fld id="{059D2A8B-5059-417D-8232-33561F25459F}" type="datetimeFigureOut">
               <a:rPr lang="en-GB" smtClean="0"/>
-              <a:t>25/10/2014</a:t>
+              <a:pPr/>
+              <a:t>26/10/2014</a:t>
             </a:fld>
             <a:endParaRPr lang="en-GB"/>
           </a:p>
@@ -1359,6 +1370,7 @@
           <a:p>
             <a:fld id="{56D847F9-374E-474F-A853-60D94F0EA47D}" type="slidenum">
               <a:rPr lang="en-GB" smtClean="0"/>
+              <a:pPr/>
               <a:t>‹#›</a:t>
             </a:fld>
             <a:endParaRPr lang="en-GB"/>
@@ -1734,7 +1746,8 @@
           <a:p>
             <a:fld id="{059D2A8B-5059-417D-8232-33561F25459F}" type="datetimeFigureOut">
               <a:rPr lang="en-GB" smtClean="0"/>
-              <a:t>25/10/2014</a:t>
+              <a:pPr/>
+              <a:t>26/10/2014</a:t>
             </a:fld>
             <a:endParaRPr lang="en-GB"/>
           </a:p>
@@ -1776,6 +1789,7 @@
           <a:p>
             <a:fld id="{56D847F9-374E-474F-A853-60D94F0EA47D}" type="slidenum">
               <a:rPr lang="en-GB" smtClean="0"/>
+              <a:pPr/>
               <a:t>‹#›</a:t>
             </a:fld>
             <a:endParaRPr lang="en-GB"/>
@@ -1847,7 +1861,8 @@
           <a:p>
             <a:fld id="{059D2A8B-5059-417D-8232-33561F25459F}" type="datetimeFigureOut">
               <a:rPr lang="en-GB" smtClean="0"/>
-              <a:t>25/10/2014</a:t>
+              <a:pPr/>
+              <a:t>26/10/2014</a:t>
             </a:fld>
             <a:endParaRPr lang="en-GB"/>
           </a:p>
@@ -1889,6 +1904,7 @@
           <a:p>
             <a:fld id="{56D847F9-374E-474F-A853-60D94F0EA47D}" type="slidenum">
               <a:rPr lang="en-GB" smtClean="0"/>
+              <a:pPr/>
               <a:t>‹#›</a:t>
             </a:fld>
             <a:endParaRPr lang="en-GB"/>
@@ -1937,7 +1953,8 @@
           <a:p>
             <a:fld id="{059D2A8B-5059-417D-8232-33561F25459F}" type="datetimeFigureOut">
               <a:rPr lang="en-GB" smtClean="0"/>
-              <a:t>25/10/2014</a:t>
+              <a:pPr/>
+              <a:t>26/10/2014</a:t>
             </a:fld>
             <a:endParaRPr lang="en-GB"/>
           </a:p>
@@ -1979,6 +1996,7 @@
           <a:p>
             <a:fld id="{56D847F9-374E-474F-A853-60D94F0EA47D}" type="slidenum">
               <a:rPr lang="en-GB" smtClean="0"/>
+              <a:pPr/>
               <a:t>‹#›</a:t>
             </a:fld>
             <a:endParaRPr lang="en-GB"/>
@@ -2209,7 +2227,8 @@
           <a:p>
             <a:fld id="{059D2A8B-5059-417D-8232-33561F25459F}" type="datetimeFigureOut">
               <a:rPr lang="en-GB" smtClean="0"/>
-              <a:t>25/10/2014</a:t>
+              <a:pPr/>
+              <a:t>26/10/2014</a:t>
             </a:fld>
             <a:endParaRPr lang="en-GB"/>
           </a:p>
@@ -2251,6 +2270,7 @@
           <a:p>
             <a:fld id="{56D847F9-374E-474F-A853-60D94F0EA47D}" type="slidenum">
               <a:rPr lang="en-GB" smtClean="0"/>
+              <a:pPr/>
               <a:t>‹#›</a:t>
             </a:fld>
             <a:endParaRPr lang="en-GB"/>
@@ -2457,7 +2477,8 @@
           <a:p>
             <a:fld id="{059D2A8B-5059-417D-8232-33561F25459F}" type="datetimeFigureOut">
               <a:rPr lang="en-GB" smtClean="0"/>
-              <a:t>25/10/2014</a:t>
+              <a:pPr/>
+              <a:t>26/10/2014</a:t>
             </a:fld>
             <a:endParaRPr lang="en-GB"/>
           </a:p>
@@ -2499,6 +2520,7 @@
           <a:p>
             <a:fld id="{56D847F9-374E-474F-A853-60D94F0EA47D}" type="slidenum">
               <a:rPr lang="en-GB" smtClean="0"/>
+              <a:pPr/>
               <a:t>‹#›</a:t>
             </a:fld>
             <a:endParaRPr lang="en-GB"/>
@@ -2665,7 +2687,8 @@
           <a:p>
             <a:fld id="{059D2A8B-5059-417D-8232-33561F25459F}" type="datetimeFigureOut">
               <a:rPr lang="en-GB" smtClean="0"/>
-              <a:t>25/10/2014</a:t>
+              <a:pPr/>
+              <a:t>26/10/2014</a:t>
             </a:fld>
             <a:endParaRPr lang="en-GB"/>
           </a:p>
@@ -2743,6 +2766,7 @@
           <a:p>
             <a:fld id="{56D847F9-374E-474F-A853-60D94F0EA47D}" type="slidenum">
               <a:rPr lang="en-GB" smtClean="0"/>
+              <a:pPr/>
               <a:t>‹#›</a:t>
             </a:fld>
             <a:endParaRPr lang="en-GB"/>
@@ -8693,40 +8717,6 @@
       </p:sp>
       <p:sp>
         <p:nvSpPr>
-          <p:cNvPr id="10" name="TextBox 9"/>
-          <p:cNvSpPr txBox="1"/>
-          <p:nvPr/>
-        </p:nvSpPr>
-        <p:spPr>
-          <a:xfrm>
-            <a:off x="2901950" y="2438400"/>
-            <a:ext cx="1503938" cy="923330"/>
-          </a:xfrm>
-          <a:prstGeom prst="rect">
-            <a:avLst/>
-          </a:prstGeom>
-          <a:noFill/>
-        </p:spPr>
-        <p:txBody>
-          <a:bodyPr wrap="none" rtlCol="0">
-            <a:spAutoFit/>
-          </a:bodyPr>
-          <a:lstStyle/>
-          <a:p>
-            <a:r>
-              <a:rPr lang="en-GB" sz="5400" b="1" dirty="0" smtClean="0">
-                <a:latin typeface="Mistral" pitchFamily="66" charset="0"/>
-              </a:rPr>
-              <a:t>FART!</a:t>
-            </a:r>
-            <a:endParaRPr lang="en-GB" sz="5400" b="1" dirty="0">
-              <a:latin typeface="Mistral" pitchFamily="66" charset="0"/>
-            </a:endParaRPr>
-          </a:p>
-        </p:txBody>
-      </p:sp>
-      <p:sp>
-        <p:nvSpPr>
           <p:cNvPr id="11" name="Freeform 10"/>
           <p:cNvSpPr/>
           <p:nvPr/>
@@ -11544,7 +11534,7 @@
         </p:nvSpPr>
         <p:spPr>
           <a:xfrm>
-            <a:off x="2901950" y="4171950"/>
+            <a:off x="5362122" y="3203121"/>
             <a:ext cx="1503938" cy="923330"/>
           </a:xfrm>
           <a:prstGeom prst="rect">
@@ -11576,6 +11566,386 @@
           </a:p>
         </p:txBody>
       </p:sp>
+      <p:pic>
+        <p:nvPicPr>
+          <p:cNvPr id="1027" name="Picture 3" descr="C:\Users\theburningmonk\Downloads\skull-and-crossbones-30325_640.png"/>
+          <p:cNvPicPr>
+            <a:picLocks noChangeAspect="1" noChangeArrowheads="1"/>
+          </p:cNvPicPr>
+          <p:nvPr/>
+        </p:nvPicPr>
+        <p:blipFill>
+          <a:blip r:embed="rId2" cstate="print"/>
+          <a:srcRect/>
+          <a:stretch>
+            <a:fillRect/>
+          </a:stretch>
+        </p:blipFill>
+        <p:spPr bwMode="auto">
+          <a:xfrm>
+            <a:off x="3052499" y="4050310"/>
+            <a:ext cx="1062301" cy="1024134"/>
+          </a:xfrm>
+          <a:prstGeom prst="rect">
+            <a:avLst/>
+          </a:prstGeom>
+          <a:noFill/>
+        </p:spPr>
+      </p:pic>
+      <p:grpSp>
+        <p:nvGrpSpPr>
+          <p:cNvPr id="34" name="Group 33"/>
+          <p:cNvGrpSpPr/>
+          <p:nvPr/>
+        </p:nvGrpSpPr>
+        <p:grpSpPr>
+          <a:xfrm>
+            <a:off x="3168650" y="2393950"/>
+            <a:ext cx="873125" cy="873125"/>
+            <a:chOff x="1358900" y="2260600"/>
+            <a:chExt cx="971550" cy="971550"/>
+          </a:xfrm>
+        </p:grpSpPr>
+        <p:sp>
+          <p:nvSpPr>
+            <p:cNvPr id="13" name="Oval 12"/>
+            <p:cNvSpPr/>
+            <p:nvPr/>
+          </p:nvSpPr>
+          <p:spPr>
+            <a:xfrm>
+              <a:off x="1358900" y="2260600"/>
+              <a:ext cx="971550" cy="971550"/>
+            </a:xfrm>
+            <a:prstGeom prst="ellipse">
+              <a:avLst/>
+            </a:prstGeom>
+            <a:solidFill>
+              <a:schemeClr val="bg1"/>
+            </a:solidFill>
+            <a:ln w="38100">
+              <a:solidFill>
+                <a:schemeClr val="tx1"/>
+              </a:solidFill>
+            </a:ln>
+          </p:spPr>
+          <p:style>
+            <a:lnRef idx="2">
+              <a:schemeClr val="accent1">
+                <a:shade val="50000"/>
+              </a:schemeClr>
+            </a:lnRef>
+            <a:fillRef idx="1">
+              <a:schemeClr val="accent1"/>
+            </a:fillRef>
+            <a:effectRef idx="0">
+              <a:schemeClr val="accent1"/>
+            </a:effectRef>
+            <a:fontRef idx="minor">
+              <a:schemeClr val="lt1"/>
+            </a:fontRef>
+          </p:style>
+          <p:txBody>
+            <a:bodyPr rtlCol="0" anchor="ctr"/>
+            <a:lstStyle/>
+            <a:p>
+              <a:pPr algn="ctr"/>
+              <a:endParaRPr lang="en-GB"/>
+            </a:p>
+          </p:txBody>
+        </p:sp>
+        <p:grpSp>
+          <p:nvGrpSpPr>
+            <p:cNvPr id="17" name="Group 16"/>
+            <p:cNvGrpSpPr/>
+            <p:nvPr/>
+          </p:nvGrpSpPr>
+          <p:grpSpPr>
+            <a:xfrm>
+              <a:off x="1546226" y="2493347"/>
+              <a:ext cx="215900" cy="218103"/>
+              <a:chOff x="1543050" y="2549525"/>
+              <a:chExt cx="311150" cy="314325"/>
+            </a:xfrm>
+          </p:grpSpPr>
+          <p:cxnSp>
+            <p:nvCxnSpPr>
+              <p:cNvPr id="15" name="Straight Connector 14"/>
+              <p:cNvCxnSpPr/>
+              <p:nvPr/>
+            </p:nvCxnSpPr>
+            <p:spPr>
+              <a:xfrm>
+                <a:off x="1543050" y="2552700"/>
+                <a:ext cx="311150" cy="311150"/>
+              </a:xfrm>
+              <a:prstGeom prst="line">
+                <a:avLst/>
+              </a:prstGeom>
+              <a:ln w="38100">
+                <a:solidFill>
+                  <a:schemeClr val="tx1"/>
+                </a:solidFill>
+              </a:ln>
+            </p:spPr>
+            <p:style>
+              <a:lnRef idx="1">
+                <a:schemeClr val="accent1"/>
+              </a:lnRef>
+              <a:fillRef idx="0">
+                <a:schemeClr val="accent1"/>
+              </a:fillRef>
+              <a:effectRef idx="0">
+                <a:schemeClr val="accent1"/>
+              </a:effectRef>
+              <a:fontRef idx="minor">
+                <a:schemeClr val="tx1"/>
+              </a:fontRef>
+            </p:style>
+          </p:cxnSp>
+          <p:cxnSp>
+            <p:nvCxnSpPr>
+              <p:cNvPr id="16" name="Straight Connector 15"/>
+              <p:cNvCxnSpPr/>
+              <p:nvPr/>
+            </p:nvCxnSpPr>
+            <p:spPr>
+              <a:xfrm flipV="1">
+                <a:off x="1543050" y="2549525"/>
+                <a:ext cx="311150" cy="311150"/>
+              </a:xfrm>
+              <a:prstGeom prst="line">
+                <a:avLst/>
+              </a:prstGeom>
+              <a:ln w="38100">
+                <a:solidFill>
+                  <a:schemeClr val="tx1"/>
+                </a:solidFill>
+              </a:ln>
+            </p:spPr>
+            <p:style>
+              <a:lnRef idx="1">
+                <a:schemeClr val="accent1"/>
+              </a:lnRef>
+              <a:fillRef idx="0">
+                <a:schemeClr val="accent1"/>
+              </a:fillRef>
+              <a:effectRef idx="0">
+                <a:schemeClr val="accent1"/>
+              </a:effectRef>
+              <a:fontRef idx="minor">
+                <a:schemeClr val="tx1"/>
+              </a:fontRef>
+            </p:style>
+          </p:cxnSp>
+        </p:grpSp>
+        <p:grpSp>
+          <p:nvGrpSpPr>
+            <p:cNvPr id="21" name="Group 20"/>
+            <p:cNvGrpSpPr/>
+            <p:nvPr/>
+          </p:nvGrpSpPr>
+          <p:grpSpPr>
+            <a:xfrm>
+              <a:off x="1936751" y="2493347"/>
+              <a:ext cx="215900" cy="218103"/>
+              <a:chOff x="1543050" y="2549525"/>
+              <a:chExt cx="311150" cy="314325"/>
+            </a:xfrm>
+          </p:grpSpPr>
+          <p:cxnSp>
+            <p:nvCxnSpPr>
+              <p:cNvPr id="22" name="Straight Connector 21"/>
+              <p:cNvCxnSpPr/>
+              <p:nvPr/>
+            </p:nvCxnSpPr>
+            <p:spPr>
+              <a:xfrm>
+                <a:off x="1543050" y="2552700"/>
+                <a:ext cx="311150" cy="311150"/>
+              </a:xfrm>
+              <a:prstGeom prst="line">
+                <a:avLst/>
+              </a:prstGeom>
+              <a:ln w="38100">
+                <a:solidFill>
+                  <a:schemeClr val="tx1"/>
+                </a:solidFill>
+              </a:ln>
+            </p:spPr>
+            <p:style>
+              <a:lnRef idx="1">
+                <a:schemeClr val="accent1"/>
+              </a:lnRef>
+              <a:fillRef idx="0">
+                <a:schemeClr val="accent1"/>
+              </a:fillRef>
+              <a:effectRef idx="0">
+                <a:schemeClr val="accent1"/>
+              </a:effectRef>
+              <a:fontRef idx="minor">
+                <a:schemeClr val="tx1"/>
+              </a:fontRef>
+            </p:style>
+          </p:cxnSp>
+          <p:cxnSp>
+            <p:nvCxnSpPr>
+              <p:cNvPr id="23" name="Straight Connector 22"/>
+              <p:cNvCxnSpPr/>
+              <p:nvPr/>
+            </p:nvCxnSpPr>
+            <p:spPr>
+              <a:xfrm flipV="1">
+                <a:off x="1543050" y="2549525"/>
+                <a:ext cx="311150" cy="311150"/>
+              </a:xfrm>
+              <a:prstGeom prst="line">
+                <a:avLst/>
+              </a:prstGeom>
+              <a:ln w="38100">
+                <a:solidFill>
+                  <a:schemeClr val="tx1"/>
+                </a:solidFill>
+              </a:ln>
+            </p:spPr>
+            <p:style>
+              <a:lnRef idx="1">
+                <a:schemeClr val="accent1"/>
+              </a:lnRef>
+              <a:fillRef idx="0">
+                <a:schemeClr val="accent1"/>
+              </a:fillRef>
+              <a:effectRef idx="0">
+                <a:schemeClr val="accent1"/>
+              </a:effectRef>
+              <a:fontRef idx="minor">
+                <a:schemeClr val="tx1"/>
+              </a:fontRef>
+            </p:style>
+          </p:cxnSp>
+        </p:grpSp>
+        <p:cxnSp>
+          <p:nvCxnSpPr>
+            <p:cNvPr id="25" name="Straight Connector 24"/>
+            <p:cNvCxnSpPr/>
+            <p:nvPr/>
+          </p:nvCxnSpPr>
+          <p:spPr>
+            <a:xfrm>
+              <a:off x="1549400" y="2873375"/>
+              <a:ext cx="571500" cy="0"/>
+            </a:xfrm>
+            <a:prstGeom prst="line">
+              <a:avLst/>
+            </a:prstGeom>
+            <a:ln w="38100">
+              <a:solidFill>
+                <a:schemeClr val="tx1"/>
+              </a:solidFill>
+            </a:ln>
+          </p:spPr>
+          <p:style>
+            <a:lnRef idx="1">
+              <a:schemeClr val="accent1"/>
+            </a:lnRef>
+            <a:fillRef idx="0">
+              <a:schemeClr val="accent1"/>
+            </a:fillRef>
+            <a:effectRef idx="0">
+              <a:schemeClr val="accent1"/>
+            </a:effectRef>
+            <a:fontRef idx="minor">
+              <a:schemeClr val="tx1"/>
+            </a:fontRef>
+          </p:style>
+        </p:cxnSp>
+        <p:sp>
+          <p:nvSpPr>
+            <p:cNvPr id="27" name="Round Same Side Corner Rectangle 26"/>
+            <p:cNvSpPr/>
+            <p:nvPr/>
+          </p:nvSpPr>
+          <p:spPr>
+            <a:xfrm rot="10800000">
+              <a:off x="1916905" y="2876549"/>
+              <a:ext cx="166686" cy="221457"/>
+            </a:xfrm>
+            <a:prstGeom prst="round2SameRect">
+              <a:avLst>
+                <a:gd name="adj1" fmla="val 50000"/>
+                <a:gd name="adj2" fmla="val 0"/>
+              </a:avLst>
+            </a:prstGeom>
+            <a:solidFill>
+              <a:schemeClr val="bg1"/>
+            </a:solidFill>
+            <a:ln w="38100">
+              <a:solidFill>
+                <a:schemeClr val="tx1"/>
+              </a:solidFill>
+            </a:ln>
+          </p:spPr>
+          <p:style>
+            <a:lnRef idx="2">
+              <a:schemeClr val="accent1">
+                <a:shade val="50000"/>
+              </a:schemeClr>
+            </a:lnRef>
+            <a:fillRef idx="1">
+              <a:schemeClr val="accent1"/>
+            </a:fillRef>
+            <a:effectRef idx="0">
+              <a:schemeClr val="accent1"/>
+            </a:effectRef>
+            <a:fontRef idx="minor">
+              <a:schemeClr val="lt1"/>
+            </a:fontRef>
+          </p:style>
+          <p:txBody>
+            <a:bodyPr rtlCol="0" anchor="ctr"/>
+            <a:lstStyle/>
+            <a:p>
+              <a:pPr algn="ctr"/>
+              <a:endParaRPr lang="en-GB"/>
+            </a:p>
+          </p:txBody>
+        </p:sp>
+        <p:cxnSp>
+          <p:nvCxnSpPr>
+            <p:cNvPr id="28" name="Straight Connector 27"/>
+            <p:cNvCxnSpPr/>
+            <p:nvPr/>
+          </p:nvCxnSpPr>
+          <p:spPr>
+            <a:xfrm>
+              <a:off x="2001837" y="2891631"/>
+              <a:ext cx="0" cy="89694"/>
+            </a:xfrm>
+            <a:prstGeom prst="line">
+              <a:avLst/>
+            </a:prstGeom>
+            <a:ln w="28575" cap="rnd">
+              <a:solidFill>
+                <a:schemeClr val="tx1"/>
+              </a:solidFill>
+            </a:ln>
+          </p:spPr>
+          <p:style>
+            <a:lnRef idx="1">
+              <a:schemeClr val="accent1"/>
+            </a:lnRef>
+            <a:fillRef idx="0">
+              <a:schemeClr val="accent1"/>
+            </a:fillRef>
+            <a:effectRef idx="0">
+              <a:schemeClr val="accent1"/>
+            </a:effectRef>
+            <a:fontRef idx="minor">
+              <a:schemeClr val="tx1"/>
+            </a:fontRef>
+          </p:style>
+        </p:cxnSp>
+      </p:grpSp>
     </p:spTree>
   </p:cSld>
   <p:clrMapOvr>
